--- a/pptx/table.pptx
+++ b/pptx/table.pptx
@@ -3102,26 +3102,352 @@
         <p:txBody>
           <a:bodyPr/>
           <a:lstStyle/>
-          <a:p/>
-        </p:txBody>
-      </p:sp>
-      <p:sp>
-        <p:nvSpPr>
-          <p:cNvPr id="3" name="Content Placeholder 2"/>
-          <p:cNvSpPr>
-            <a:spLocks noGrp="1"/>
-          </p:cNvSpPr>
-          <p:nvPr>
-            <p:ph idx="1"/>
-          </p:nvPr>
-        </p:nvSpPr>
-        <p:spPr/>
-        <p:txBody>
-          <a:bodyPr/>
-          <a:lstStyle/>
-          <a:p/>
-        </p:txBody>
-      </p:sp>
+          <a:p>
+            <a:r>
+              <a:t>My Table</a:t>
+            </a:r>
+          </a:p>
+        </p:txBody>
+      </p:sp>
+      <p:graphicFrame>
+        <p:nvGraphicFramePr>
+          <p:cNvPr id="3" name="Table 2"/>
+          <p:cNvGraphicFramePr>
+            <a:graphicFrameLocks noGrp="1"/>
+          </p:cNvGraphicFramePr>
+          <p:nvPr/>
+        </p:nvGraphicFramePr>
+        <p:xfrm>
+          <a:off x="457200" y="1371600"/>
+          <a:ext cx="8229600" cy="2743200"/>
+        </p:xfrm>
+        <a:graphic>
+          <a:graphicData uri="http://schemas.openxmlformats.org/drawingml/2006/table">
+            <a:tbl>
+              <a:tblPr firstRow="1" bandRow="1">
+                <a:tableStyleId>{5C22544A-7EE6-4342-B048-85BDC9FD1C3A}</a:tableStyleId>
+              </a:tblPr>
+              <a:tblGrid>
+                <a:gridCol w="1645920"/>
+                <a:gridCol w="1645920"/>
+                <a:gridCol w="1645920"/>
+                <a:gridCol w="1645920"/>
+                <a:gridCol w="1645920"/>
+              </a:tblGrid>
+              <a:tr h="548640">
+                <a:tc>
+                  <a:txBody>
+                    <a:bodyPr/>
+                    <a:lstStyle/>
+                    <a:p>
+                      <a:r>
+                        <a:t>Category</a:t>
+                      </a:r>
+                    </a:p>
+                  </a:txBody>
+                  <a:tcPr/>
+                </a:tc>
+                <a:tc>
+                  <a:txBody>
+                    <a:bodyPr/>
+                    <a:lstStyle/>
+                    <a:p>
+                      <a:r>
+                        <a:t>Technology 1</a:t>
+                      </a:r>
+                    </a:p>
+                  </a:txBody>
+                  <a:tcPr/>
+                </a:tc>
+                <a:tc>
+                  <a:txBody>
+                    <a:bodyPr/>
+                    <a:lstStyle/>
+                    <a:p>
+                      <a:r>
+                        <a:t>Technology 2</a:t>
+                      </a:r>
+                    </a:p>
+                  </a:txBody>
+                  <a:tcPr/>
+                </a:tc>
+                <a:tc>
+                  <a:txBody>
+                    <a:bodyPr/>
+                    <a:lstStyle/>
+                    <a:p>
+                      <a:r>
+                        <a:t>Technology 3</a:t>
+                      </a:r>
+                    </a:p>
+                  </a:txBody>
+                  <a:tcPr/>
+                </a:tc>
+                <a:tc>
+                  <a:txBody>
+                    <a:bodyPr/>
+                    <a:lstStyle/>
+                    <a:p>
+                      <a:r>
+                        <a:t>Technology 4</a:t>
+                      </a:r>
+                    </a:p>
+                  </a:txBody>
+                  <a:tcPr/>
+                </a:tc>
+              </a:tr>
+              <a:tr h="548640">
+                <a:tc>
+                  <a:txBody>
+                    <a:bodyPr/>
+                    <a:lstStyle/>
+                    <a:p>
+                      <a:r>
+                        <a:t>Data Collection</a:t>
+                      </a:r>
+                    </a:p>
+                  </a:txBody>
+                  <a:tcPr/>
+                </a:tc>
+                <a:tc>
+                  <a:txBody>
+                    <a:bodyPr/>
+                    <a:lstStyle/>
+                    <a:p>
+                      <a:r>
+                        <a:t>Web Scraping</a:t>
+                      </a:r>
+                    </a:p>
+                  </a:txBody>
+                  <a:tcPr/>
+                </a:tc>
+                <a:tc>
+                  <a:txBody>
+                    <a:bodyPr/>
+                    <a:lstStyle/>
+                    <a:p>
+                      <a:r>
+                        <a:t>API Integration</a:t>
+                      </a:r>
+                    </a:p>
+                  </a:txBody>
+                  <a:tcPr/>
+                </a:tc>
+                <a:tc>
+                  <a:txBody>
+                    <a:bodyPr/>
+                    <a:lstStyle/>
+                    <a:p>
+                      <a:r>
+                        <a:t>Survey Data</a:t>
+                      </a:r>
+                    </a:p>
+                  </a:txBody>
+                  <a:tcPr/>
+                </a:tc>
+                <a:tc>
+                  <a:txBody>
+                    <a:bodyPr/>
+                    <a:lstStyle/>
+                    <a:p>
+                      <a:r>
+                        <a:t>Sensor Data</a:t>
+                      </a:r>
+                    </a:p>
+                  </a:txBody>
+                  <a:tcPr/>
+                </a:tc>
+              </a:tr>
+              <a:tr h="548640">
+                <a:tc>
+                  <a:txBody>
+                    <a:bodyPr/>
+                    <a:lstStyle/>
+                    <a:p>
+                      <a:r>
+                        <a:t>Data Cleaning</a:t>
+                      </a:r>
+                    </a:p>
+                  </a:txBody>
+                  <a:tcPr/>
+                </a:tc>
+                <a:tc>
+                  <a:txBody>
+                    <a:bodyPr/>
+                    <a:lstStyle/>
+                    <a:p>
+                      <a:r>
+                        <a:t>Missing Values</a:t>
+                      </a:r>
+                    </a:p>
+                  </a:txBody>
+                  <a:tcPr/>
+                </a:tc>
+                <a:tc>
+                  <a:txBody>
+                    <a:bodyPr/>
+                    <a:lstStyle/>
+                    <a:p>
+                      <a:r>
+                        <a:t>Outlier Detection</a:t>
+                      </a:r>
+                    </a:p>
+                  </a:txBody>
+                  <a:tcPr/>
+                </a:tc>
+                <a:tc>
+                  <a:txBody>
+                    <a:bodyPr/>
+                    <a:lstStyle/>
+                    <a:p>
+                      <a:r>
+                        <a:t>Data Standardization</a:t>
+                      </a:r>
+                    </a:p>
+                  </a:txBody>
+                  <a:tcPr/>
+                </a:tc>
+                <a:tc>
+                  <a:txBody>
+                    <a:bodyPr/>
+                    <a:lstStyle/>
+                    <a:p>
+                      <a:r>
+                        <a:t>Data Imputation</a:t>
+                      </a:r>
+                    </a:p>
+                  </a:txBody>
+                  <a:tcPr/>
+                </a:tc>
+              </a:tr>
+              <a:tr h="548640">
+                <a:tc>
+                  <a:txBody>
+                    <a:bodyPr/>
+                    <a:lstStyle/>
+                    <a:p>
+                      <a:r>
+                        <a:t>Exploratory Data Analysis</a:t>
+                      </a:r>
+                    </a:p>
+                  </a:txBody>
+                  <a:tcPr/>
+                </a:tc>
+                <a:tc>
+                  <a:txBody>
+                    <a:bodyPr/>
+                    <a:lstStyle/>
+                    <a:p>
+                      <a:r>
+                        <a:t>Histograms</a:t>
+                      </a:r>
+                    </a:p>
+                  </a:txBody>
+                  <a:tcPr/>
+                </a:tc>
+                <a:tc>
+                  <a:txBody>
+                    <a:bodyPr/>
+                    <a:lstStyle/>
+                    <a:p>
+                      <a:r>
+                        <a:t>Scatter Plots</a:t>
+                      </a:r>
+                    </a:p>
+                  </a:txBody>
+                  <a:tcPr/>
+                </a:tc>
+                <a:tc>
+                  <a:txBody>
+                    <a:bodyPr/>
+                    <a:lstStyle/>
+                    <a:p>
+                      <a:r>
+                        <a:t>Box Plots</a:t>
+                      </a:r>
+                    </a:p>
+                  </a:txBody>
+                  <a:tcPr/>
+                </a:tc>
+                <a:tc>
+                  <a:txBody>
+                    <a:bodyPr/>
+                    <a:lstStyle/>
+                    <a:p>
+                      <a:r>
+                        <a:t>Heatmaps</a:t>
+                      </a:r>
+                    </a:p>
+                  </a:txBody>
+                  <a:tcPr/>
+                </a:tc>
+              </a:tr>
+              <a:tr h="548640">
+                <a:tc>
+                  <a:txBody>
+                    <a:bodyPr/>
+                    <a:lstStyle/>
+                    <a:p>
+                      <a:r>
+                        <a:t>Data Preprocessing</a:t>
+                      </a:r>
+                    </a:p>
+                  </a:txBody>
+                  <a:tcPr/>
+                </a:tc>
+                <a:tc>
+                  <a:txBody>
+                    <a:bodyPr/>
+                    <a:lstStyle/>
+                    <a:p>
+                      <a:r>
+                        <a:t>Feature Scaling</a:t>
+                      </a:r>
+                    </a:p>
+                  </a:txBody>
+                  <a:tcPr/>
+                </a:tc>
+                <a:tc>
+                  <a:txBody>
+                    <a:bodyPr/>
+                    <a:lstStyle/>
+                    <a:p>
+                      <a:r>
+                        <a:t>One-Hot Encoding</a:t>
+                      </a:r>
+                    </a:p>
+                  </a:txBody>
+                  <a:tcPr/>
+                </a:tc>
+                <a:tc>
+                  <a:txBody>
+                    <a:bodyPr/>
+                    <a:lstStyle/>
+                    <a:p>
+                      <a:r>
+                        <a:t>Principal Component Analysis</a:t>
+                      </a:r>
+                    </a:p>
+                  </a:txBody>
+                  <a:tcPr/>
+                </a:tc>
+                <a:tc>
+                  <a:txBody>
+                    <a:bodyPr/>
+                    <a:lstStyle/>
+                    <a:p>
+                      <a:r>
+                        <a:t>Feature Selection</a:t>
+                      </a:r>
+                    </a:p>
+                  </a:txBody>
+                  <a:tcPr/>
+                </a:tc>
+              </a:tr>
+            </a:tbl>
+          </a:graphicData>
+        </a:graphic>
+      </p:graphicFrame>
     </p:spTree>
   </p:cSld>
   <p:clrMapOvr>
